--- a/lists/courseware/Lists.pptx
+++ b/lists/courseware/Lists.pptx
@@ -288,7 +288,7 @@
               <a:pPr>
                 <a:defRPr/>
               </a:pPr>
-              <a:t>8/8/16</a:t>
+              <a:t>8/12/16</a:t>
             </a:fld>
             <a:endParaRPr lang="en-US" dirty="0"/>
           </a:p>
@@ -504,7 +504,7 @@
               <a:pPr>
                 <a:defRPr/>
               </a:pPr>
-              <a:t>8/8/16</a:t>
+              <a:t>8/12/16</a:t>
             </a:fld>
             <a:endParaRPr lang="en-US" dirty="0"/>
           </a:p>
@@ -1015,12 +1015,12 @@
           <a:graphicData uri="http://schemas.openxmlformats.org/presentationml/2006/ole">
             <mc:AlternateContent xmlns:mc="http://schemas.openxmlformats.org/markup-compatibility/2006">
               <mc:Choice xmlns:v="urn:schemas-microsoft-com:vml" Requires="v">
-                <p:oleObj spid="_x0000_s3161" name="Document" r:id="rId4" imgW="8229600" imgH="558800" progId="Word.Document.12">
+                <p:oleObj spid="_x0000_s3164" name="Document" r:id="rId5" imgW="8229600" imgH="558800" progId="Word.Document.12">
                   <p:embed/>
                 </p:oleObj>
               </mc:Choice>
               <mc:Fallback>
-                <p:oleObj name="Document" r:id="rId4" imgW="8229600" imgH="558800" progId="Word.Document.12">
+                <p:oleObj name="Document" r:id="rId5" imgW="8229600" imgH="558800" progId="Word.Document.12">
                   <p:embed/>
                   <p:pic>
                     <p:nvPicPr>
@@ -1029,7 +1029,7 @@
                       <p:nvPr/>
                     </p:nvPicPr>
                     <p:blipFill>
-                      <a:blip r:embed="rId5"/>
+                      <a:blip r:embed="rId6"/>
                       <a:stretch>
                         <a:fillRect/>
                       </a:stretch>
@@ -1068,12 +1068,12 @@
           <a:graphicData uri="http://schemas.openxmlformats.org/presentationml/2006/ole">
             <mc:AlternateContent xmlns:mc="http://schemas.openxmlformats.org/markup-compatibility/2006">
               <mc:Choice xmlns:v="urn:schemas-microsoft-com:vml" Requires="v">
-                <p:oleObj spid="_x0000_s3162" name="Document" r:id="rId6" imgW="5486400" imgH="927100" progId="Word.Document.12">
+                <p:oleObj spid="_x0000_s3165" name="Document" r:id="rId8" imgW="5486400" imgH="927100" progId="Word.Document.12">
                   <p:embed/>
                 </p:oleObj>
               </mc:Choice>
               <mc:Fallback>
-                <p:oleObj name="Document" r:id="rId6" imgW="5486400" imgH="927100" progId="Word.Document.12">
+                <p:oleObj name="Document" r:id="rId8" imgW="5486400" imgH="927100" progId="Word.Document.12">
                   <p:embed/>
                   <p:pic>
                     <p:nvPicPr>
@@ -1082,7 +1082,7 @@
                       <p:nvPr/>
                     </p:nvPicPr>
                     <p:blipFill>
-                      <a:blip r:embed="rId7"/>
+                      <a:blip r:embed="rId9"/>
                       <a:stretch>
                         <a:fillRect/>
                       </a:stretch>
@@ -1211,12 +1211,12 @@
           <a:graphicData uri="http://schemas.openxmlformats.org/presentationml/2006/ole">
             <mc:AlternateContent xmlns:mc="http://schemas.openxmlformats.org/markup-compatibility/2006">
               <mc:Choice xmlns:v="urn:schemas-microsoft-com:vml" Requires="v">
-                <p:oleObj spid="_x0000_s5209" name="Document" r:id="rId4" imgW="8229600" imgH="558800" progId="Word.Document.12">
+                <p:oleObj spid="_x0000_s5212" name="Document" r:id="rId5" imgW="8229600" imgH="558800" progId="Word.Document.12">
                   <p:embed/>
                 </p:oleObj>
               </mc:Choice>
               <mc:Fallback>
-                <p:oleObj name="Document" r:id="rId4" imgW="8229600" imgH="558800" progId="Word.Document.12">
+                <p:oleObj name="Document" r:id="rId5" imgW="8229600" imgH="558800" progId="Word.Document.12">
                   <p:embed/>
                   <p:pic>
                     <p:nvPicPr>
@@ -1225,7 +1225,7 @@
                       <p:nvPr/>
                     </p:nvPicPr>
                     <p:blipFill>
-                      <a:blip r:embed="rId5"/>
+                      <a:blip r:embed="rId6"/>
                       <a:stretch>
                         <a:fillRect/>
                       </a:stretch>
@@ -1264,12 +1264,12 @@
           <a:graphicData uri="http://schemas.openxmlformats.org/presentationml/2006/ole">
             <mc:AlternateContent xmlns:mc="http://schemas.openxmlformats.org/markup-compatibility/2006">
               <mc:Choice xmlns:v="urn:schemas-microsoft-com:vml" Requires="v">
-                <p:oleObj spid="_x0000_s5210" name="Document" r:id="rId6" imgW="8229600" imgH="1117600" progId="Word.Document.12">
+                <p:oleObj spid="_x0000_s5213" name="Document" r:id="rId8" imgW="8229600" imgH="1117600" progId="Word.Document.12">
                   <p:embed/>
                 </p:oleObj>
               </mc:Choice>
               <mc:Fallback>
-                <p:oleObj name="Document" r:id="rId6" imgW="8229600" imgH="1117600" progId="Word.Document.12">
+                <p:oleObj name="Document" r:id="rId8" imgW="8229600" imgH="1117600" progId="Word.Document.12">
                   <p:embed/>
                   <p:pic>
                     <p:nvPicPr>
@@ -1278,7 +1278,7 @@
                       <p:nvPr/>
                     </p:nvPicPr>
                     <p:blipFill>
-                      <a:blip r:embed="rId7"/>
+                      <a:blip r:embed="rId9"/>
                       <a:stretch>
                         <a:fillRect/>
                       </a:stretch>
@@ -3452,7 +3452,7 @@
           <a:p>
             <a:fld id="{1F322805-1C3E-D64D-B9FF-1838A69DCBD5}" type="datetimeFigureOut">
               <a:rPr lang="en-US" smtClean="0"/>
-              <a:t>8/8/16</a:t>
+              <a:t>8/12/16</a:t>
             </a:fld>
             <a:endParaRPr lang="en-US"/>
           </a:p>
@@ -4457,7 +4457,7 @@
           <a:p>
             <a:fld id="{5572DC24-C402-654F-AFF6-A88DF25963D2}" type="datetimeFigureOut">
               <a:rPr lang="en-US" smtClean="0"/>
-              <a:t>8/8/16</a:t>
+              <a:t>8/12/16</a:t>
             </a:fld>
             <a:endParaRPr lang="en-US"/>
           </a:p>
@@ -6762,12 +6762,12 @@
           <a:graphicData uri="http://schemas.openxmlformats.org/presentationml/2006/ole">
             <mc:AlternateContent xmlns:mc="http://schemas.openxmlformats.org/markup-compatibility/2006">
               <mc:Choice xmlns:v="urn:schemas-microsoft-com:vml" Requires="v">
-                <p:oleObj spid="_x0000_s10251" name="Document" r:id="rId4" imgW="8229600" imgH="1485900" progId="Word.Document.12">
+                <p:oleObj spid="_x0000_s10254" name="Document" r:id="rId5" imgW="8229600" imgH="1485900" progId="Word.Document.12">
                   <p:embed/>
                 </p:oleObj>
               </mc:Choice>
               <mc:Fallback>
-                <p:oleObj name="Document" r:id="rId4" imgW="8229600" imgH="1485900" progId="Word.Document.12">
+                <p:oleObj name="Document" r:id="rId5" imgW="8229600" imgH="1485900" progId="Word.Document.12">
                   <p:embed/>
                   <p:pic>
                     <p:nvPicPr>
@@ -6776,7 +6776,7 @@
                       <p:nvPr/>
                     </p:nvPicPr>
                     <p:blipFill>
-                      <a:blip r:embed="rId5"/>
+                      <a:blip r:embed="rId6"/>
                       <a:stretch>
                         <a:fillRect/>
                       </a:stretch>
@@ -6815,12 +6815,12 @@
           <a:graphicData uri="http://schemas.openxmlformats.org/presentationml/2006/ole">
             <mc:AlternateContent xmlns:mc="http://schemas.openxmlformats.org/markup-compatibility/2006">
               <mc:Choice xmlns:v="urn:schemas-microsoft-com:vml" Requires="v">
-                <p:oleObj spid="_x0000_s10252" name="Document" r:id="rId6" imgW="8229600" imgH="1308100" progId="Word.Document.12">
+                <p:oleObj spid="_x0000_s10255" name="Document" r:id="rId8" imgW="8229600" imgH="1308100" progId="Word.Document.12">
                   <p:embed/>
                 </p:oleObj>
               </mc:Choice>
               <mc:Fallback>
-                <p:oleObj name="Document" r:id="rId6" imgW="8229600" imgH="1308100" progId="Word.Document.12">
+                <p:oleObj name="Document" r:id="rId8" imgW="8229600" imgH="1308100" progId="Word.Document.12">
                   <p:embed/>
                   <p:pic>
                     <p:nvPicPr>
@@ -6829,7 +6829,7 @@
                       <p:nvPr/>
                     </p:nvPicPr>
                     <p:blipFill>
-                      <a:blip r:embed="rId7"/>
+                      <a:blip r:embed="rId9"/>
                       <a:stretch>
                         <a:fillRect/>
                       </a:stretch>
@@ -7086,19 +7086,11 @@
           <a:p>
             <a:r>
               <a:rPr lang="en-US" b="1" dirty="0" smtClean="0"/>
-              <a:t>getRecord() </a:t>
-            </a:r>
-            <a:r>
-              <a:rPr lang="en-US" b="1" dirty="0" smtClean="0"/>
-              <a:t>or Record </a:t>
-            </a:r>
-            <a:r>
-              <a:rPr lang="en-US" dirty="0" smtClean="0"/>
-              <a:t>returns </a:t>
-            </a:r>
-            <a:r>
-              <a:rPr lang="en-US" dirty="0" smtClean="0"/>
-              <a:t>the </a:t>
+              <a:t>getRecord() or Record </a:t>
+            </a:r>
+            <a:r>
+              <a:rPr lang="en-US" dirty="0" smtClean="0"/>
+              <a:t>returns the </a:t>
             </a:r>
             <a:r>
               <a:rPr lang="en-US" b="1" dirty="0" smtClean="0">
@@ -7124,19 +7116,11 @@
           <a:p>
             <a:r>
               <a:rPr lang="en-US" b="1" dirty="0" smtClean="0"/>
-              <a:t>getKey() </a:t>
-            </a:r>
-            <a:r>
-              <a:rPr lang="en-US" b="1" dirty="0" smtClean="0"/>
-              <a:t>or Key </a:t>
-            </a:r>
-            <a:r>
-              <a:rPr lang="en-US" dirty="0" smtClean="0"/>
-              <a:t>returns </a:t>
-            </a:r>
-            <a:r>
-              <a:rPr lang="en-US" dirty="0" smtClean="0"/>
-              <a:t>the </a:t>
+              <a:t>getKey() or Key </a:t>
+            </a:r>
+            <a:r>
+              <a:rPr lang="en-US" dirty="0" smtClean="0"/>
+              <a:t>returns the </a:t>
             </a:r>
             <a:r>
               <a:rPr lang="en-US" b="1" dirty="0" smtClean="0">
@@ -7451,11 +7435,7 @@
           <a:p>
             <a:r>
               <a:rPr lang="en-US" dirty="0" smtClean="0"/>
-              <a:t>Exercises: </a:t>
-            </a:r>
-            <a:r>
-              <a:rPr lang="en-US" dirty="0" smtClean="0"/>
-              <a:t>Lists</a:t>
+              <a:t>Exercises: Lists</a:t>
             </a:r>
             <a:endParaRPr lang="en-US" dirty="0"/>
           </a:p>
@@ -7672,11 +7652,7 @@
           <a:p>
             <a:r>
               <a:rPr lang="en-US" dirty="0" smtClean="0"/>
-              <a:t>Java: </a:t>
-            </a:r>
-            <a:r>
-              <a:rPr lang="en-US" dirty="0" smtClean="0"/>
-              <a:t>Lists</a:t>
+              <a:t>Java: Lists</a:t>
             </a:r>
             <a:endParaRPr lang="en-US" dirty="0"/>
           </a:p>
@@ -7700,7 +7676,7 @@
         </p:spPr>
         <p:txBody>
           <a:bodyPr>
-            <a:normAutofit fontScale="92500" lnSpcReduction="20000"/>
+            <a:normAutofit fontScale="85000" lnSpcReduction="10000"/>
           </a:bodyPr>
           <a:lstStyle/>
           <a:p>
@@ -7712,16 +7688,20 @@
               <a:t>Find the </a:t>
             </a:r>
             <a:r>
-              <a:rPr lang="en-US" sz="2000" dirty="0" err="1" smtClean="0"/>
-              <a:t>Program.java</a:t>
+              <a:rPr lang="en-US" sz="2000" smtClean="0"/>
+              <a:t>ListsExercises</a:t>
+            </a:r>
+            <a:r>
+              <a:rPr lang="en-US" sz="2000" smtClean="0"/>
+              <a:t>.java</a:t>
             </a:r>
             <a:r>
               <a:rPr lang="en-US" sz="2000" dirty="0" smtClean="0"/>
-              <a:t> file in the exercises directory. </a:t>
+              <a:t> </a:t>
             </a:r>
             <a:r>
               <a:rPr lang="en-US" sz="2000" dirty="0" smtClean="0"/>
-              <a:t>Replace the TODOs with working code</a:t>
+              <a:t>file in the exercises directory. Replace the TODOs with working code</a:t>
             </a:r>
           </a:p>
           <a:p>
@@ -8171,15 +8151,7 @@
             </a:r>
             <a:r>
               <a:rPr lang="en-US" sz="2000" dirty="0" smtClean="0"/>
-              <a:t> </a:t>
-            </a:r>
-            <a:r>
-              <a:rPr lang="en-US" sz="2000" dirty="0" smtClean="0"/>
-              <a:t>file in the exercises directory. </a:t>
-            </a:r>
-            <a:r>
-              <a:rPr lang="en-US" sz="2000" dirty="0" smtClean="0"/>
-              <a:t>Replace the TODOs with working code</a:t>
+              <a:t> file in the exercises directory. Replace the TODOs with working code</a:t>
             </a:r>
           </a:p>
           <a:p>
@@ -8426,16 +8398,7 @@
                 </a:solidFill>
                 <a:latin typeface="Menlo" charset="0"/>
               </a:rPr>
-              <a:t> pop the last element in the list, return it and the new size</a:t>
-            </a:r>
-            <a:r>
-              <a:rPr lang="en-US">
-                <a:solidFill>
-                  <a:srgbClr val="888A85"/>
-                </a:solidFill>
-                <a:latin typeface="Menlo" charset="0"/>
-              </a:rPr>
-              <a:t> </a:t>
+              <a:t> pop the last element in the list, return it and the new size </a:t>
             </a:r>
             <a:r>
               <a:rPr lang="en-US" smtClean="0">
@@ -8764,11 +8727,7 @@
             <a:pPr marL="1019174" lvl="1" indent="-342900"/>
             <a:r>
               <a:rPr lang="en-US" dirty="0" smtClean="0"/>
-              <a:t>C</a:t>
-            </a:r>
-            <a:r>
-              <a:rPr lang="en-US" dirty="0" smtClean="0"/>
-              <a:t>#</a:t>
+              <a:t>C#</a:t>
             </a:r>
           </a:p>
           <a:p>
@@ -8880,19 +8839,7 @@
             </a:r>
             <a:r>
               <a:rPr lang="en-US" dirty="0" smtClean="0"/>
-              <a:t> </a:t>
-            </a:r>
-            <a:r>
-              <a:rPr lang="en-US" dirty="0" smtClean="0"/>
-              <a:t>are </a:t>
-            </a:r>
-            <a:r>
-              <a:rPr lang="en-US" dirty="0" smtClean="0"/>
-              <a:t>supported in most modern languages. The Client API translates the language types to the database type of </a:t>
-            </a:r>
-            <a:r>
-              <a:rPr lang="en-US" dirty="0" smtClean="0"/>
-              <a:t>List.</a:t>
+              <a:t> are supported in most modern languages. The Client API translates the language types to the database type of List.</a:t>
             </a:r>
           </a:p>
           <a:p>
@@ -14245,11 +14192,7 @@
           <a:p>
             <a:r>
               <a:rPr lang="en-US" dirty="0" smtClean="0"/>
-              <a:t>Creating a Secondary </a:t>
-            </a:r>
-            <a:r>
-              <a:rPr lang="en-US" dirty="0" smtClean="0"/>
-              <a:t>Index on a List</a:t>
+              <a:t>Creating a Secondary Index on a List</a:t>
             </a:r>
             <a:endParaRPr lang="en-US" dirty="0"/>
           </a:p>
@@ -14441,12 +14384,12 @@
           <a:graphicData uri="http://schemas.openxmlformats.org/presentationml/2006/ole">
             <mc:AlternateContent xmlns:mc="http://schemas.openxmlformats.org/markup-compatibility/2006">
               <mc:Choice xmlns:v="urn:schemas-microsoft-com:vml" Requires="v">
-                <p:oleObj spid="_x0000_s8206" name="Document" r:id="rId4" imgW="8229600" imgH="393700" progId="Word.Document.12">
+                <p:oleObj spid="_x0000_s8208" name="Document" r:id="rId5" imgW="8229600" imgH="393700" progId="Word.Document.12">
                   <p:embed/>
                 </p:oleObj>
               </mc:Choice>
               <mc:Fallback>
-                <p:oleObj name="Document" r:id="rId4" imgW="8229600" imgH="393700" progId="Word.Document.12">
+                <p:oleObj name="Document" r:id="rId5" imgW="8229600" imgH="393700" progId="Word.Document.12">
                   <p:embed/>
                   <p:pic>
                     <p:nvPicPr>
@@ -14455,7 +14398,7 @@
                       <p:nvPr/>
                     </p:nvPicPr>
                     <p:blipFill>
-                      <a:blip r:embed="rId5"/>
+                      <a:blip r:embed="rId6"/>
                       <a:stretch>
                         <a:fillRect/>
                       </a:stretch>
@@ -14485,7 +14428,7 @@
           <p:nvPr/>
         </p:nvPicPr>
         <p:blipFill>
-          <a:blip r:embed="rId6">
+          <a:blip r:embed="rId7">
             <a:extLst>
               <a:ext uri="{28A0092B-C50C-407E-A947-70E740481C1C}">
                 <a14:useLocalDpi xmlns:a14="http://schemas.microsoft.com/office/drawing/2010/main" val="0"/>
